--- a/Презентация/Презентация_Желепов.pptx
+++ b/Презентация/Презентация_Желепов.pptx
@@ -296,7 +296,8 @@
           <a:p>
             <a:fld id="{0F72F6CD-8C77-46CF-8E30-1CB365AA184E}" type="datetimeFigureOut">
               <a:rPr lang="ru-RU" smtClean="0"/>
-              <a:t>04.06.2015</a:t>
+              <a:pPr/>
+              <a:t>05.06.2015</a:t>
             </a:fld>
             <a:endParaRPr lang="ru-RU"/>
           </a:p>
@@ -338,6 +339,7 @@
           <a:p>
             <a:fld id="{69F3A3EC-5220-4A90-92C3-83D1CEEBB92A}" type="slidenum">
               <a:rPr lang="ru-RU" smtClean="0"/>
+              <a:pPr/>
               <a:t>‹#›</a:t>
             </a:fld>
             <a:endParaRPr lang="ru-RU"/>
@@ -461,7 +463,8 @@
           <a:p>
             <a:fld id="{0F72F6CD-8C77-46CF-8E30-1CB365AA184E}" type="datetimeFigureOut">
               <a:rPr lang="ru-RU" smtClean="0"/>
-              <a:t>04.06.2015</a:t>
+              <a:pPr/>
+              <a:t>05.06.2015</a:t>
             </a:fld>
             <a:endParaRPr lang="ru-RU"/>
           </a:p>
@@ -503,6 +506,7 @@
           <a:p>
             <a:fld id="{69F3A3EC-5220-4A90-92C3-83D1CEEBB92A}" type="slidenum">
               <a:rPr lang="ru-RU" smtClean="0"/>
+              <a:pPr/>
               <a:t>‹#›</a:t>
             </a:fld>
             <a:endParaRPr lang="ru-RU"/>
@@ -636,7 +640,8 @@
           <a:p>
             <a:fld id="{0F72F6CD-8C77-46CF-8E30-1CB365AA184E}" type="datetimeFigureOut">
               <a:rPr lang="ru-RU" smtClean="0"/>
-              <a:t>04.06.2015</a:t>
+              <a:pPr/>
+              <a:t>05.06.2015</a:t>
             </a:fld>
             <a:endParaRPr lang="ru-RU"/>
           </a:p>
@@ -678,6 +683,7 @@
           <a:p>
             <a:fld id="{69F3A3EC-5220-4A90-92C3-83D1CEEBB92A}" type="slidenum">
               <a:rPr lang="ru-RU" smtClean="0"/>
+              <a:pPr/>
               <a:t>‹#›</a:t>
             </a:fld>
             <a:endParaRPr lang="ru-RU"/>
@@ -801,7 +807,8 @@
           <a:p>
             <a:fld id="{0F72F6CD-8C77-46CF-8E30-1CB365AA184E}" type="datetimeFigureOut">
               <a:rPr lang="ru-RU" smtClean="0"/>
-              <a:t>04.06.2015</a:t>
+              <a:pPr/>
+              <a:t>05.06.2015</a:t>
             </a:fld>
             <a:endParaRPr lang="ru-RU"/>
           </a:p>
@@ -843,6 +850,7 @@
           <a:p>
             <a:fld id="{69F3A3EC-5220-4A90-92C3-83D1CEEBB92A}" type="slidenum">
               <a:rPr lang="ru-RU" smtClean="0"/>
+              <a:pPr/>
               <a:t>‹#›</a:t>
             </a:fld>
             <a:endParaRPr lang="ru-RU"/>
@@ -1042,7 +1050,8 @@
           <a:p>
             <a:fld id="{0F72F6CD-8C77-46CF-8E30-1CB365AA184E}" type="datetimeFigureOut">
               <a:rPr lang="ru-RU" smtClean="0"/>
-              <a:t>04.06.2015</a:t>
+              <a:pPr/>
+              <a:t>05.06.2015</a:t>
             </a:fld>
             <a:endParaRPr lang="ru-RU"/>
           </a:p>
@@ -1084,6 +1093,7 @@
           <a:p>
             <a:fld id="{69F3A3EC-5220-4A90-92C3-83D1CEEBB92A}" type="slidenum">
               <a:rPr lang="ru-RU" smtClean="0"/>
+              <a:pPr/>
               <a:t>‹#›</a:t>
             </a:fld>
             <a:endParaRPr lang="ru-RU"/>
@@ -1325,7 +1335,8 @@
           <a:p>
             <a:fld id="{0F72F6CD-8C77-46CF-8E30-1CB365AA184E}" type="datetimeFigureOut">
               <a:rPr lang="ru-RU" smtClean="0"/>
-              <a:t>04.06.2015</a:t>
+              <a:pPr/>
+              <a:t>05.06.2015</a:t>
             </a:fld>
             <a:endParaRPr lang="ru-RU"/>
           </a:p>
@@ -1367,6 +1378,7 @@
           <a:p>
             <a:fld id="{69F3A3EC-5220-4A90-92C3-83D1CEEBB92A}" type="slidenum">
               <a:rPr lang="ru-RU" smtClean="0"/>
+              <a:pPr/>
               <a:t>‹#›</a:t>
             </a:fld>
             <a:endParaRPr lang="ru-RU"/>
@@ -1742,7 +1754,8 @@
           <a:p>
             <a:fld id="{0F72F6CD-8C77-46CF-8E30-1CB365AA184E}" type="datetimeFigureOut">
               <a:rPr lang="ru-RU" smtClean="0"/>
-              <a:t>04.06.2015</a:t>
+              <a:pPr/>
+              <a:t>05.06.2015</a:t>
             </a:fld>
             <a:endParaRPr lang="ru-RU"/>
           </a:p>
@@ -1784,6 +1797,7 @@
           <a:p>
             <a:fld id="{69F3A3EC-5220-4A90-92C3-83D1CEEBB92A}" type="slidenum">
               <a:rPr lang="ru-RU" smtClean="0"/>
+              <a:pPr/>
               <a:t>‹#›</a:t>
             </a:fld>
             <a:endParaRPr lang="ru-RU"/>
@@ -1855,7 +1869,8 @@
           <a:p>
             <a:fld id="{0F72F6CD-8C77-46CF-8E30-1CB365AA184E}" type="datetimeFigureOut">
               <a:rPr lang="ru-RU" smtClean="0"/>
-              <a:t>04.06.2015</a:t>
+              <a:pPr/>
+              <a:t>05.06.2015</a:t>
             </a:fld>
             <a:endParaRPr lang="ru-RU"/>
           </a:p>
@@ -1897,6 +1912,7 @@
           <a:p>
             <a:fld id="{69F3A3EC-5220-4A90-92C3-83D1CEEBB92A}" type="slidenum">
               <a:rPr lang="ru-RU" smtClean="0"/>
+              <a:pPr/>
               <a:t>‹#›</a:t>
             </a:fld>
             <a:endParaRPr lang="ru-RU"/>
@@ -1945,7 +1961,8 @@
           <a:p>
             <a:fld id="{0F72F6CD-8C77-46CF-8E30-1CB365AA184E}" type="datetimeFigureOut">
               <a:rPr lang="ru-RU" smtClean="0"/>
-              <a:t>04.06.2015</a:t>
+              <a:pPr/>
+              <a:t>05.06.2015</a:t>
             </a:fld>
             <a:endParaRPr lang="ru-RU"/>
           </a:p>
@@ -1987,6 +2004,7 @@
           <a:p>
             <a:fld id="{69F3A3EC-5220-4A90-92C3-83D1CEEBB92A}" type="slidenum">
               <a:rPr lang="ru-RU" smtClean="0"/>
+              <a:pPr/>
               <a:t>‹#›</a:t>
             </a:fld>
             <a:endParaRPr lang="ru-RU"/>
@@ -2217,7 +2235,8 @@
           <a:p>
             <a:fld id="{0F72F6CD-8C77-46CF-8E30-1CB365AA184E}" type="datetimeFigureOut">
               <a:rPr lang="ru-RU" smtClean="0"/>
-              <a:t>04.06.2015</a:t>
+              <a:pPr/>
+              <a:t>05.06.2015</a:t>
             </a:fld>
             <a:endParaRPr lang="ru-RU"/>
           </a:p>
@@ -2259,6 +2278,7 @@
           <a:p>
             <a:fld id="{69F3A3EC-5220-4A90-92C3-83D1CEEBB92A}" type="slidenum">
               <a:rPr lang="ru-RU" smtClean="0"/>
+              <a:pPr/>
               <a:t>‹#›</a:t>
             </a:fld>
             <a:endParaRPr lang="ru-RU"/>
@@ -2465,7 +2485,8 @@
           <a:p>
             <a:fld id="{0F72F6CD-8C77-46CF-8E30-1CB365AA184E}" type="datetimeFigureOut">
               <a:rPr lang="ru-RU" smtClean="0"/>
-              <a:t>04.06.2015</a:t>
+              <a:pPr/>
+              <a:t>05.06.2015</a:t>
             </a:fld>
             <a:endParaRPr lang="ru-RU"/>
           </a:p>
@@ -2507,6 +2528,7 @@
           <a:p>
             <a:fld id="{69F3A3EC-5220-4A90-92C3-83D1CEEBB92A}" type="slidenum">
               <a:rPr lang="ru-RU" smtClean="0"/>
+              <a:pPr/>
               <a:t>‹#›</a:t>
             </a:fld>
             <a:endParaRPr lang="ru-RU"/>
@@ -2673,7 +2695,8 @@
           <a:p>
             <a:fld id="{0F72F6CD-8C77-46CF-8E30-1CB365AA184E}" type="datetimeFigureOut">
               <a:rPr lang="ru-RU" smtClean="0"/>
-              <a:t>04.06.2015</a:t>
+              <a:pPr/>
+              <a:t>05.06.2015</a:t>
             </a:fld>
             <a:endParaRPr lang="ru-RU"/>
           </a:p>
@@ -2751,6 +2774,7 @@
           <a:p>
             <a:fld id="{69F3A3EC-5220-4A90-92C3-83D1CEEBB92A}" type="slidenum">
               <a:rPr lang="ru-RU" smtClean="0"/>
+              <a:pPr/>
               <a:t>‹#›</a:t>
             </a:fld>
             <a:endParaRPr lang="ru-RU"/>
@@ -3337,7 +3361,7 @@
             </a:pPr>
             <a:r>
               <a:rPr lang="ru-RU" sz="2400" dirty="0" smtClean="0"/>
-              <a:t>Прозрачность данных процессов домоуправления</a:t>
+              <a:t>Поддержка актуальности информации</a:t>
             </a:r>
           </a:p>
           <a:p>
@@ -3347,7 +3371,11 @@
             </a:pPr>
             <a:r>
               <a:rPr lang="ru-RU" sz="2400" dirty="0" smtClean="0"/>
-              <a:t>Актуальность информации</a:t>
+              <a:t>Раскрытие </a:t>
+            </a:r>
+            <a:r>
+              <a:rPr lang="ru-RU" sz="2400" dirty="0" smtClean="0"/>
+              <a:t>данных процессов домоуправления</a:t>
             </a:r>
           </a:p>
           <a:p>
@@ -3383,7 +3411,11 @@
             </a:pPr>
             <a:r>
               <a:rPr lang="ru-RU" sz="2400" dirty="0" smtClean="0"/>
-              <a:t>Постановление Правительства РФ № 731 «</a:t>
+              <a:t>Постановление </a:t>
+            </a:r>
+            <a:r>
+              <a:rPr lang="ru-RU" sz="2400" dirty="0" smtClean="0"/>
+              <a:t>Правительства РФ № 731 «</a:t>
             </a:r>
             <a:r>
               <a:rPr lang="ru-RU" sz="2400" dirty="0"/>
@@ -3779,7 +3811,7 @@
             </a:pPr>
             <a:r>
               <a:rPr lang="ru-RU" dirty="0" smtClean="0"/>
-              <a:t> «АИС: Объектовый учет» - популярное решение для автоматизации процессов сферы ЖКЗХ</a:t>
+              <a:t> «АИС: Объектовый учет» - популярное решение для автоматизации процессов сферы ЖКХ</a:t>
             </a:r>
           </a:p>
           <a:p>
@@ -4262,26 +4294,8 @@
               <a:buChar char="v"/>
             </a:pPr>
             <a:r>
-              <a:rPr lang="ru-RU" dirty="0"/>
-              <a:t> </a:t>
-            </a:r>
-            <a:r>
               <a:rPr lang="ru-RU" dirty="0" smtClean="0"/>
-              <a:t>Расширяемость системы</a:t>
-            </a:r>
-          </a:p>
-          <a:p>
-            <a:pPr>
-              <a:buFont typeface="Wingdings" pitchFamily="2" charset="2"/>
-              <a:buChar char="v"/>
-            </a:pPr>
-            <a:r>
-              <a:rPr lang="ru-RU" dirty="0"/>
-              <a:t> </a:t>
-            </a:r>
-            <a:r>
-              <a:rPr lang="ru-RU" dirty="0" smtClean="0"/>
-              <a:t>Быстрота выборки данных</a:t>
+              <a:t> Быстрота выборки данных</a:t>
             </a:r>
           </a:p>
           <a:p>
@@ -4803,16 +4817,15 @@
           <a:lstStyle/>
           <a:p>
             <a:pPr>
-              <a:buFont typeface="Wingdings" pitchFamily="2" charset="2"/>
-              <a:buChar char="v"/>
+              <a:buNone/>
             </a:pPr>
             <a:r>
-              <a:rPr lang="ru-RU" sz="2400" dirty="0"/>
+              <a:rPr lang="ru-RU" sz="2400" dirty="0" smtClean="0"/>
+              <a:t>С точки зрения пользователей УК:</a:t>
+            </a:r>
+            <a:r>
+              <a:rPr lang="ru-RU" sz="2400" dirty="0" smtClean="0"/>
               <a:t> </a:t>
-            </a:r>
-            <a:r>
-              <a:rPr lang="ru-RU" sz="2400" dirty="0" smtClean="0"/>
-              <a:t>Скорость раскрытия информации по процессам домоуправления</a:t>
             </a:r>
           </a:p>
           <a:p>
@@ -4822,7 +4835,11 @@
             </a:pPr>
             <a:r>
               <a:rPr lang="ru-RU" sz="2400" dirty="0" smtClean="0"/>
-              <a:t> Частота обновления данных</a:t>
+              <a:t>Скорость </a:t>
+            </a:r>
+            <a:r>
+              <a:rPr lang="ru-RU" sz="2400" dirty="0" smtClean="0"/>
+              <a:t>раскрытия информации по процессам домоуправления</a:t>
             </a:r>
           </a:p>
           <a:p>
@@ -4831,12 +4848,8 @@
               <a:buChar char="v"/>
             </a:pPr>
             <a:r>
-              <a:rPr lang="ru-RU" sz="2400" dirty="0"/>
-              <a:t> </a:t>
-            </a:r>
-            <a:r>
               <a:rPr lang="ru-RU" sz="2400" dirty="0" smtClean="0"/>
-              <a:t>Актуальность данных</a:t>
+              <a:t> Частота обновления данных</a:t>
             </a:r>
           </a:p>
           <a:p>
@@ -4850,8 +4863,69 @@
             </a:r>
             <a:r>
               <a:rPr lang="ru-RU" sz="2400" dirty="0" smtClean="0"/>
-              <a:t>Автономность решения</a:t>
-            </a:r>
+              <a:t>Актуальность </a:t>
+            </a:r>
+            <a:r>
+              <a:rPr lang="ru-RU" sz="2400" dirty="0" smtClean="0"/>
+              <a:t>данных</a:t>
+            </a:r>
+          </a:p>
+          <a:p>
+            <a:pPr>
+              <a:buFont typeface="Wingdings" pitchFamily="2" charset="2"/>
+              <a:buChar char="v"/>
+            </a:pPr>
+            <a:r>
+              <a:rPr lang="ru-RU" sz="2400" dirty="0" smtClean="0"/>
+              <a:t> </a:t>
+            </a:r>
+            <a:r>
+              <a:rPr lang="ru-RU" sz="2400" dirty="0" smtClean="0"/>
+              <a:t>Простой пользовательский интерфейс</a:t>
+            </a:r>
+          </a:p>
+          <a:p>
+            <a:pPr>
+              <a:buNone/>
+            </a:pPr>
+            <a:r>
+              <a:rPr lang="ru-RU" sz="2400" dirty="0" smtClean="0"/>
+              <a:t>С точки зрения архитектуры приложения:</a:t>
+            </a:r>
+            <a:endParaRPr lang="ru-RU" sz="2400" dirty="0" smtClean="0"/>
+          </a:p>
+          <a:p>
+            <a:pPr>
+              <a:buFont typeface="Wingdings" pitchFamily="2" charset="2"/>
+              <a:buChar char="v"/>
+            </a:pPr>
+            <a:r>
+              <a:rPr lang="ru-RU" sz="2400" dirty="0"/>
+              <a:t> </a:t>
+            </a:r>
+            <a:r>
+              <a:rPr lang="ru-RU" sz="2400" dirty="0" smtClean="0"/>
+              <a:t>Автономность </a:t>
+            </a:r>
+            <a:r>
+              <a:rPr lang="ru-RU" sz="2400" dirty="0" smtClean="0"/>
+              <a:t>решения</a:t>
+            </a:r>
+          </a:p>
+          <a:p>
+            <a:pPr>
+              <a:buFont typeface="Wingdings" pitchFamily="2" charset="2"/>
+              <a:buChar char="v"/>
+            </a:pPr>
+            <a:r>
+              <a:rPr lang="en-US" sz="2400" dirty="0" smtClean="0"/>
+              <a:t>Reusable-</a:t>
+            </a:r>
+            <a:r>
+              <a:rPr lang="ru-RU" sz="2400" dirty="0" smtClean="0"/>
+              <a:t>компоненты</a:t>
+            </a:r>
+            <a:endParaRPr lang="ru-RU" sz="2400" dirty="0" smtClean="0"/>
           </a:p>
           <a:p>
             <a:pPr>
@@ -4970,70 +5044,6 @@
             <a:avLst/>
           </a:prstGeom>
           <a:noFill/>
-        </p:spPr>
-      </p:pic>
-      <p:pic>
-        <p:nvPicPr>
-          <p:cNvPr id="16386" name="Picture 2"/>
-          <p:cNvPicPr>
-            <a:picLocks noChangeAspect="1" noChangeArrowheads="1"/>
-          </p:cNvPicPr>
-          <p:nvPr/>
-        </p:nvPicPr>
-        <p:blipFill>
-          <a:blip r:embed="rId3" cstate="print"/>
-          <a:srcRect/>
-          <a:stretch>
-            <a:fillRect/>
-          </a:stretch>
-        </p:blipFill>
-        <p:spPr bwMode="auto">
-          <a:xfrm>
-            <a:off x="611560" y="4221088"/>
-            <a:ext cx="3397679" cy="2294836"/>
-          </a:xfrm>
-          <a:prstGeom prst="rect">
-            <a:avLst/>
-          </a:prstGeom>
-          <a:noFill/>
-          <a:ln w="9525">
-            <a:noFill/>
-            <a:miter lim="800000"/>
-            <a:headEnd/>
-            <a:tailEnd/>
-          </a:ln>
-        </p:spPr>
-      </p:pic>
-      <p:pic>
-        <p:nvPicPr>
-          <p:cNvPr id="16388" name="Picture 4"/>
-          <p:cNvPicPr>
-            <a:picLocks noChangeAspect="1" noChangeArrowheads="1"/>
-          </p:cNvPicPr>
-          <p:nvPr/>
-        </p:nvPicPr>
-        <p:blipFill>
-          <a:blip r:embed="rId4" cstate="print"/>
-          <a:srcRect/>
-          <a:stretch>
-            <a:fillRect/>
-          </a:stretch>
-        </p:blipFill>
-        <p:spPr bwMode="auto">
-          <a:xfrm>
-            <a:off x="5220072" y="2420888"/>
-            <a:ext cx="3473574" cy="2462039"/>
-          </a:xfrm>
-          <a:prstGeom prst="rect">
-            <a:avLst/>
-          </a:prstGeom>
-          <a:noFill/>
-          <a:ln w="9525">
-            <a:noFill/>
-            <a:miter lim="800000"/>
-            <a:headEnd/>
-            <a:tailEnd/>
-          </a:ln>
         </p:spPr>
       </p:pic>
     </p:spTree>

--- a/Презентация/Презентация_Желепов.pptx
+++ b/Презентация/Презентация_Желепов.pptx
@@ -11,9 +11,11 @@
     <p:sldId id="264" r:id="rId5"/>
     <p:sldId id="259" r:id="rId6"/>
     <p:sldId id="260" r:id="rId7"/>
-    <p:sldId id="261" r:id="rId8"/>
-    <p:sldId id="262" r:id="rId9"/>
-    <p:sldId id="265" r:id="rId10"/>
+    <p:sldId id="266" r:id="rId8"/>
+    <p:sldId id="267" r:id="rId9"/>
+    <p:sldId id="261" r:id="rId10"/>
+    <p:sldId id="262" r:id="rId11"/>
+    <p:sldId id="265" r:id="rId12"/>
   </p:sldIdLst>
   <p:sldSz cx="9144000" cy="6858000" type="screen4x3"/>
   <p:notesSz cx="6858000" cy="9144000"/>
@@ -3206,10 +3208,17 @@
   <p:clrMapOvr>
     <a:masterClrMapping/>
   </p:clrMapOvr>
+  <p:timing>
+    <p:tnLst>
+      <p:par>
+        <p:cTn id="1" dur="indefinite" restart="never" nodeType="tmRoot"/>
+      </p:par>
+    </p:tnLst>
+  </p:timing>
 </p:sld>
 </file>
 
-<file path=ppt/slides/slide2.xml><?xml version="1.0" encoding="utf-8"?>
+<file path=ppt/slides/slide10.xml><?xml version="1.0" encoding="utf-8"?>
 <p:sld xmlns:a="http://schemas.openxmlformats.org/drawingml/2006/main" xmlns:r="http://schemas.openxmlformats.org/officeDocument/2006/relationships" xmlns:p="http://schemas.openxmlformats.org/presentationml/2006/main">
   <p:cSld>
     <p:spTree>
@@ -3228,7 +3237,111 @@
       </p:grpSpPr>
       <p:sp>
         <p:nvSpPr>
-          <p:cNvPr id="6" name="Прямоугольник 5"/>
+          <p:cNvPr id="3" name="Содержимое 2"/>
+          <p:cNvSpPr>
+            <a:spLocks noGrp="1"/>
+          </p:cNvSpPr>
+          <p:nvPr>
+            <p:ph idx="1"/>
+          </p:nvPr>
+        </p:nvSpPr>
+        <p:spPr/>
+        <p:txBody>
+          <a:bodyPr/>
+          <a:lstStyle/>
+          <a:p>
+            <a:pPr>
+              <a:buNone/>
+            </a:pPr>
+            <a:r>
+              <a:rPr lang="ru-RU" sz="2400" dirty="0" smtClean="0"/>
+              <a:t>С точки зрения пользователей УК: </a:t>
+            </a:r>
+          </a:p>
+          <a:p>
+            <a:pPr>
+              <a:buFont typeface="Wingdings" pitchFamily="2" charset="2"/>
+              <a:buChar char="v"/>
+            </a:pPr>
+            <a:r>
+              <a:rPr lang="ru-RU" sz="2400" dirty="0" smtClean="0"/>
+              <a:t>Скорость раскрытия информации по процессам домоуправления</a:t>
+            </a:r>
+          </a:p>
+          <a:p>
+            <a:pPr>
+              <a:buFont typeface="Wingdings" pitchFamily="2" charset="2"/>
+              <a:buChar char="v"/>
+            </a:pPr>
+            <a:r>
+              <a:rPr lang="ru-RU" sz="2400" dirty="0" smtClean="0"/>
+              <a:t>Частота обновления данных</a:t>
+            </a:r>
+          </a:p>
+          <a:p>
+            <a:pPr>
+              <a:buFont typeface="Wingdings" pitchFamily="2" charset="2"/>
+              <a:buChar char="v"/>
+            </a:pPr>
+            <a:r>
+              <a:rPr lang="ru-RU" sz="2400" dirty="0" smtClean="0"/>
+              <a:t>Актуальность данных</a:t>
+            </a:r>
+          </a:p>
+          <a:p>
+            <a:pPr>
+              <a:buFont typeface="Wingdings" pitchFamily="2" charset="2"/>
+              <a:buChar char="v"/>
+            </a:pPr>
+            <a:r>
+              <a:rPr lang="ru-RU" sz="2400" dirty="0" smtClean="0"/>
+              <a:t>Простой пользовательский интерфейс</a:t>
+            </a:r>
+          </a:p>
+          <a:p>
+            <a:pPr>
+              <a:buNone/>
+            </a:pPr>
+            <a:r>
+              <a:rPr lang="ru-RU" sz="2400" dirty="0" smtClean="0"/>
+              <a:t>С точки зрения архитектуры приложения:</a:t>
+            </a:r>
+          </a:p>
+          <a:p>
+            <a:pPr>
+              <a:buFont typeface="Wingdings" pitchFamily="2" charset="2"/>
+              <a:buChar char="v"/>
+            </a:pPr>
+            <a:r>
+              <a:rPr lang="ru-RU" sz="2400" dirty="0" smtClean="0"/>
+              <a:t>Автономность решения</a:t>
+            </a:r>
+          </a:p>
+          <a:p>
+            <a:pPr>
+              <a:buFont typeface="Wingdings" pitchFamily="2" charset="2"/>
+              <a:buChar char="v"/>
+            </a:pPr>
+            <a:r>
+              <a:rPr lang="en-US" sz="2400" dirty="0" smtClean="0"/>
+              <a:t>Reusable-</a:t>
+            </a:r>
+            <a:r>
+              <a:rPr lang="ru-RU" sz="2400" dirty="0" smtClean="0"/>
+              <a:t>компоненты</a:t>
+            </a:r>
+          </a:p>
+          <a:p>
+            <a:pPr>
+              <a:buNone/>
+            </a:pPr>
+            <a:endParaRPr lang="ru-RU" dirty="0"/>
+          </a:p>
+        </p:txBody>
+      </p:sp>
+      <p:sp>
+        <p:nvSpPr>
+          <p:cNvPr id="4" name="Прямоугольник 3"/>
           <p:cNvSpPr/>
           <p:nvPr/>
         </p:nvSpPr>
@@ -3271,7 +3384,7 @@
       </p:sp>
       <p:sp>
         <p:nvSpPr>
-          <p:cNvPr id="2" name="Заголовок 1"/>
+          <p:cNvPr id="5" name="Заголовок 1"/>
           <p:cNvSpPr>
             <a:spLocks noGrp="1"/>
           </p:cNvSpPr>
@@ -3299,7 +3412,246 @@
                   </a:schemeClr>
                 </a:solidFill>
               </a:rPr>
-              <a:t>Актуальность </a:t>
+              <a:t>9. </a:t>
+            </a:r>
+            <a:r>
+              <a:rPr lang="ru-RU" dirty="0" smtClean="0">
+                <a:solidFill>
+                  <a:schemeClr val="bg1">
+                    <a:lumMod val="95000"/>
+                  </a:schemeClr>
+                </a:solidFill>
+              </a:rPr>
+              <a:t>Оценка эффективности решения</a:t>
+            </a:r>
+            <a:endParaRPr lang="ru-RU" dirty="0">
+              <a:solidFill>
+                <a:schemeClr val="bg1">
+                  <a:lumMod val="95000"/>
+                </a:schemeClr>
+              </a:solidFill>
+            </a:endParaRPr>
+          </a:p>
+        </p:txBody>
+      </p:sp>
+      <p:pic>
+        <p:nvPicPr>
+          <p:cNvPr id="6" name="Picture 2" descr="http://www.ulstu.ru/main?cmd=file&amp;object=7129"/>
+          <p:cNvPicPr>
+            <a:picLocks noChangeAspect="1" noChangeArrowheads="1"/>
+          </p:cNvPicPr>
+          <p:nvPr/>
+        </p:nvPicPr>
+        <p:blipFill>
+          <a:blip r:embed="rId2" cstate="print"/>
+          <a:srcRect/>
+          <a:stretch>
+            <a:fillRect/>
+          </a:stretch>
+        </p:blipFill>
+        <p:spPr bwMode="auto">
+          <a:xfrm>
+            <a:off x="7524328" y="5661248"/>
+            <a:ext cx="1428713" cy="1029941"/>
+          </a:xfrm>
+          <a:prstGeom prst="rect">
+            <a:avLst/>
+          </a:prstGeom>
+          <a:noFill/>
+        </p:spPr>
+      </p:pic>
+    </p:spTree>
+  </p:cSld>
+  <p:clrMapOvr>
+    <a:masterClrMapping/>
+  </p:clrMapOvr>
+  <p:timing>
+    <p:tnLst>
+      <p:par>
+        <p:cTn id="1" dur="indefinite" restart="never" nodeType="tmRoot"/>
+      </p:par>
+    </p:tnLst>
+  </p:timing>
+</p:sld>
+</file>
+
+<file path=ppt/slides/slide11.xml><?xml version="1.0" encoding="utf-8"?>
+<p:sld xmlns:a="http://schemas.openxmlformats.org/drawingml/2006/main" xmlns:r="http://schemas.openxmlformats.org/officeDocument/2006/relationships" xmlns:p="http://schemas.openxmlformats.org/presentationml/2006/main">
+  <p:cSld>
+    <p:spTree>
+      <p:nvGrpSpPr>
+        <p:cNvPr id="1" name=""/>
+        <p:cNvGrpSpPr/>
+        <p:nvPr/>
+      </p:nvGrpSpPr>
+      <p:grpSpPr>
+        <a:xfrm>
+          <a:off x="0" y="0"/>
+          <a:ext cx="0" cy="0"/>
+          <a:chOff x="0" y="0"/>
+          <a:chExt cx="0" cy="0"/>
+        </a:xfrm>
+      </p:grpSpPr>
+      <p:sp>
+        <p:nvSpPr>
+          <p:cNvPr id="2" name="Заголовок 1"/>
+          <p:cNvSpPr>
+            <a:spLocks noGrp="1"/>
+          </p:cNvSpPr>
+          <p:nvPr>
+            <p:ph type="title"/>
+          </p:nvPr>
+        </p:nvSpPr>
+        <p:spPr>
+          <a:xfrm>
+            <a:off x="467544" y="2852936"/>
+            <a:ext cx="8229600" cy="1143000"/>
+          </a:xfrm>
+        </p:spPr>
+        <p:txBody>
+          <a:bodyPr/>
+          <a:lstStyle/>
+          <a:p>
+            <a:r>
+              <a:rPr lang="ru-RU" dirty="0" smtClean="0"/>
+              <a:t>Спасибо за внимание!</a:t>
+            </a:r>
+            <a:endParaRPr lang="ru-RU" dirty="0"/>
+          </a:p>
+        </p:txBody>
+      </p:sp>
+      <p:pic>
+        <p:nvPicPr>
+          <p:cNvPr id="5" name="Picture 2" descr="http://www.ulstu.ru/main?cmd=file&amp;object=7129"/>
+          <p:cNvPicPr>
+            <a:picLocks noChangeAspect="1" noChangeArrowheads="1"/>
+          </p:cNvPicPr>
+          <p:nvPr/>
+        </p:nvPicPr>
+        <p:blipFill>
+          <a:blip r:embed="rId2" cstate="print"/>
+          <a:srcRect/>
+          <a:stretch>
+            <a:fillRect/>
+          </a:stretch>
+        </p:blipFill>
+        <p:spPr bwMode="auto">
+          <a:xfrm>
+            <a:off x="6372200" y="94803"/>
+            <a:ext cx="2627369" cy="1894037"/>
+          </a:xfrm>
+          <a:prstGeom prst="rect">
+            <a:avLst/>
+          </a:prstGeom>
+          <a:noFill/>
+        </p:spPr>
+      </p:pic>
+    </p:spTree>
+  </p:cSld>
+  <p:clrMapOvr>
+    <a:masterClrMapping/>
+  </p:clrMapOvr>
+  <p:timing>
+    <p:tnLst>
+      <p:par>
+        <p:cTn id="1" dur="indefinite" restart="never" nodeType="tmRoot"/>
+      </p:par>
+    </p:tnLst>
+  </p:timing>
+</p:sld>
+</file>
+
+<file path=ppt/slides/slide2.xml><?xml version="1.0" encoding="utf-8"?>
+<p:sld xmlns:a="http://schemas.openxmlformats.org/drawingml/2006/main" xmlns:r="http://schemas.openxmlformats.org/officeDocument/2006/relationships" xmlns:p="http://schemas.openxmlformats.org/presentationml/2006/main">
+  <p:cSld>
+    <p:spTree>
+      <p:nvGrpSpPr>
+        <p:cNvPr id="1" name=""/>
+        <p:cNvGrpSpPr/>
+        <p:nvPr/>
+      </p:nvGrpSpPr>
+      <p:grpSpPr>
+        <a:xfrm>
+          <a:off x="0" y="0"/>
+          <a:ext cx="0" cy="0"/>
+          <a:chOff x="0" y="0"/>
+          <a:chExt cx="0" cy="0"/>
+        </a:xfrm>
+      </p:grpSpPr>
+      <p:sp>
+        <p:nvSpPr>
+          <p:cNvPr id="6" name="Прямоугольник 5"/>
+          <p:cNvSpPr/>
+          <p:nvPr/>
+        </p:nvSpPr>
+        <p:spPr>
+          <a:xfrm>
+            <a:off x="0" y="0"/>
+            <a:ext cx="9144000" cy="1440160"/>
+          </a:xfrm>
+          <a:prstGeom prst="rect">
+            <a:avLst/>
+          </a:prstGeom>
+          <a:ln>
+            <a:noFill/>
+          </a:ln>
+        </p:spPr>
+        <p:style>
+          <a:lnRef idx="2">
+            <a:schemeClr val="accent1">
+              <a:shade val="50000"/>
+            </a:schemeClr>
+          </a:lnRef>
+          <a:fillRef idx="1">
+            <a:schemeClr val="accent1"/>
+          </a:fillRef>
+          <a:effectRef idx="0">
+            <a:schemeClr val="accent1"/>
+          </a:effectRef>
+          <a:fontRef idx="minor">
+            <a:schemeClr val="lt1"/>
+          </a:fontRef>
+        </p:style>
+        <p:txBody>
+          <a:bodyPr rtlCol="0" anchor="ctr"/>
+          <a:lstStyle/>
+          <a:p>
+            <a:pPr algn="ctr"/>
+            <a:endParaRPr lang="ru-RU"/>
+          </a:p>
+        </p:txBody>
+      </p:sp>
+      <p:sp>
+        <p:nvSpPr>
+          <p:cNvPr id="2" name="Заголовок 1"/>
+          <p:cNvSpPr>
+            <a:spLocks noGrp="1"/>
+          </p:cNvSpPr>
+          <p:nvPr>
+            <p:ph type="title"/>
+          </p:nvPr>
+        </p:nvSpPr>
+        <p:spPr>
+          <a:xfrm>
+            <a:off x="457200" y="260648"/>
+            <a:ext cx="8229600" cy="864096"/>
+          </a:xfrm>
+        </p:spPr>
+        <p:txBody>
+          <a:bodyPr>
+            <a:normAutofit fontScale="90000"/>
+          </a:bodyPr>
+          <a:lstStyle/>
+          <a:p>
+            <a:r>
+              <a:rPr lang="ru-RU" dirty="0" smtClean="0">
+                <a:solidFill>
+                  <a:schemeClr val="bg1">
+                    <a:lumMod val="95000"/>
+                  </a:schemeClr>
+                </a:solidFill>
+              </a:rPr>
+              <a:t>1. Актуальность </a:t>
             </a:r>
             <a:r>
               <a:rPr lang="ru-RU" dirty="0" smtClean="0">
@@ -3342,7 +3694,7 @@
         <p:spPr/>
         <p:txBody>
           <a:bodyPr>
-            <a:normAutofit lnSpcReduction="10000"/>
+            <a:normAutofit/>
           </a:bodyPr>
           <a:lstStyle/>
           <a:p>
@@ -3361,21 +3713,7 @@
             </a:pPr>
             <a:r>
               <a:rPr lang="ru-RU" sz="2400" dirty="0" smtClean="0"/>
-              <a:t>Поддержка актуальности информации</a:t>
-            </a:r>
-          </a:p>
-          <a:p>
-            <a:pPr>
-              <a:buFont typeface="Wingdings" pitchFamily="2" charset="2"/>
-              <a:buChar char="v"/>
-            </a:pPr>
-            <a:r>
-              <a:rPr lang="ru-RU" sz="2400" dirty="0" smtClean="0"/>
-              <a:t>Раскрытие </a:t>
-            </a:r>
-            <a:r>
-              <a:rPr lang="ru-RU" sz="2400" dirty="0" smtClean="0"/>
-              <a:t>данных процессов домоуправления</a:t>
+              <a:t>Раскрытие данных процессов домоуправления</a:t>
             </a:r>
           </a:p>
           <a:p>
@@ -3401,21 +3739,7 @@
             </a:pPr>
             <a:r>
               <a:rPr lang="ru-RU" sz="2400" dirty="0" smtClean="0"/>
-              <a:t>Использование программных решений для автоматизации процессов ЖКХ</a:t>
-            </a:r>
-          </a:p>
-          <a:p>
-            <a:pPr>
-              <a:buFont typeface="Wingdings" pitchFamily="2" charset="2"/>
-              <a:buChar char="v"/>
-            </a:pPr>
-            <a:r>
-              <a:rPr lang="ru-RU" sz="2400" dirty="0" smtClean="0"/>
-              <a:t>Постановление </a:t>
-            </a:r>
-            <a:r>
-              <a:rPr lang="ru-RU" sz="2400" dirty="0" smtClean="0"/>
-              <a:t>Правительства РФ № 731 «</a:t>
+              <a:t>Постановление Правительства РФ № 731 «</a:t>
             </a:r>
             <a:r>
               <a:rPr lang="ru-RU" sz="2400" dirty="0"/>
@@ -3471,6 +3795,13 @@
   <p:clrMapOvr>
     <a:masterClrMapping/>
   </p:clrMapOvr>
+  <p:timing>
+    <p:tnLst>
+      <p:par>
+        <p:cTn id="1" dur="indefinite" restart="never" nodeType="tmRoot"/>
+      </p:par>
+    </p:tnLst>
+  </p:timing>
 </p:sld>
 </file>
 
@@ -3619,7 +3950,7 @@
         </p:spPr>
         <p:txBody>
           <a:bodyPr vert="horz" lIns="91440" tIns="45720" rIns="91440" bIns="45720" rtlCol="0" anchor="ctr">
-            <a:normAutofit fontScale="75000" lnSpcReduction="20000"/>
+            <a:normAutofit fontScale="67500" lnSpcReduction="20000"/>
           </a:bodyPr>
           <a:lstStyle/>
           <a:p>
@@ -3657,7 +3988,7 @@
                 <a:ea typeface="+mj-ea"/>
                 <a:cs typeface="+mj-cs"/>
               </a:rPr>
-              <a:t>«Реформа ЖКХ» и «АИС: Объектовый учет»</a:t>
+              <a:t>2. «Реформа ЖКХ» и «АИС: Объектовый учет»</a:t>
             </a:r>
           </a:p>
         </p:txBody>
@@ -3731,6 +4062,13 @@
   <p:clrMapOvr>
     <a:masterClrMapping/>
   </p:clrMapOvr>
+  <p:timing>
+    <p:tnLst>
+      <p:par>
+        <p:cTn id="1" dur="indefinite" restart="never" nodeType="tmRoot"/>
+      </p:par>
+    </p:tnLst>
+  </p:timing>
 </p:sld>
 </file>
 
@@ -3949,7 +4287,7 @@
                 <a:ea typeface="+mj-ea"/>
                 <a:cs typeface="+mj-cs"/>
               </a:rPr>
-              <a:t>Интеграция данных</a:t>
+              <a:t>3. Интеграция данных</a:t>
             </a:r>
             <a:endParaRPr kumimoji="0" lang="ru-RU" sz="4400" b="0" i="0" u="none" strike="noStrike" kern="1200" cap="none" spc="0" normalizeH="0" baseline="0" noProof="0" dirty="0" smtClean="0">
               <a:ln>
@@ -4001,6 +4339,13 @@
   <p:clrMapOvr>
     <a:masterClrMapping/>
   </p:clrMapOvr>
+  <p:timing>
+    <p:tnLst>
+      <p:par>
+        <p:cTn id="1" dur="indefinite" restart="never" nodeType="tmRoot"/>
+      </p:par>
+    </p:tnLst>
+  </p:timing>
 </p:sld>
 </file>
 
@@ -4187,7 +4532,7 @@
                   </a:schemeClr>
                 </a:solidFill>
               </a:rPr>
-              <a:t>Средства интеграции данных</a:t>
+              <a:t>4. Средства интеграции данных</a:t>
             </a:r>
             <a:endParaRPr lang="ru-RU" dirty="0">
               <a:solidFill>
@@ -4230,6 +4575,13 @@
   <p:clrMapOvr>
     <a:masterClrMapping/>
   </p:clrMapOvr>
+  <p:timing>
+    <p:tnLst>
+      <p:par>
+        <p:cTn id="1" dur="indefinite" restart="never" nodeType="tmRoot"/>
+      </p:par>
+    </p:tnLst>
+  </p:timing>
 </p:sld>
 </file>
 
@@ -4270,60 +4622,12 @@
               <a:buChar char="v"/>
             </a:pPr>
             <a:r>
-              <a:rPr lang="en-US" dirty="0" smtClean="0"/>
+              <a:rPr lang="en-US" sz="2000" dirty="0" smtClean="0"/>
               <a:t> </a:t>
             </a:r>
             <a:r>
-              <a:rPr lang="ru-RU" dirty="0" smtClean="0"/>
+              <a:rPr lang="ru-RU" sz="2000" dirty="0" smtClean="0"/>
               <a:t>Адаптивное и независимое решение для интеграции данных</a:t>
-            </a:r>
-          </a:p>
-          <a:p>
-            <a:pPr>
-              <a:buFont typeface="Wingdings" pitchFamily="2" charset="2"/>
-              <a:buChar char="v"/>
-            </a:pPr>
-            <a:r>
-              <a:rPr lang="ru-RU" dirty="0" smtClean="0"/>
-              <a:t> Применение паттернов проектирования</a:t>
-            </a:r>
-          </a:p>
-          <a:p>
-            <a:pPr>
-              <a:buFont typeface="Wingdings" pitchFamily="2" charset="2"/>
-              <a:buChar char="v"/>
-            </a:pPr>
-            <a:r>
-              <a:rPr lang="ru-RU" dirty="0" smtClean="0"/>
-              <a:t> Быстрота выборки данных</a:t>
-            </a:r>
-          </a:p>
-          <a:p>
-            <a:pPr>
-              <a:buFont typeface="Wingdings" pitchFamily="2" charset="2"/>
-              <a:buChar char="v"/>
-            </a:pPr>
-            <a:r>
-              <a:rPr lang="ru-RU" dirty="0"/>
-              <a:t> </a:t>
-            </a:r>
-            <a:r>
-              <a:rPr lang="ru-RU" dirty="0" smtClean="0"/>
-              <a:t>Возможность работы с несколькими источниками данных</a:t>
-            </a:r>
-          </a:p>
-          <a:p>
-            <a:pPr>
-              <a:buFont typeface="Wingdings" pitchFamily="2" charset="2"/>
-              <a:buChar char="v"/>
-            </a:pPr>
-            <a:r>
-              <a:rPr lang="ru-RU" dirty="0"/>
-              <a:t> </a:t>
-            </a:r>
-            <a:r>
-              <a:rPr lang="ru-RU" dirty="0" smtClean="0"/>
-              <a:t>«Доступное» тестирование</a:t>
             </a:r>
           </a:p>
           <a:p>
@@ -4421,7 +4725,7 @@
         </p:spPr>
         <p:txBody>
           <a:bodyPr>
-            <a:normAutofit/>
+            <a:normAutofit fontScale="90000"/>
           </a:bodyPr>
           <a:lstStyle/>
           <a:p>
@@ -4433,7 +4737,7 @@
                   </a:schemeClr>
                 </a:solidFill>
               </a:rPr>
-              <a:t>Особенности разработки подсистемы</a:t>
+              <a:t>5. Особенности разработки подсистемы (1)</a:t>
             </a:r>
             <a:endParaRPr lang="ru-RU" sz="3600" dirty="0">
               <a:solidFill>
@@ -4447,7 +4751,7 @@
       </p:sp>
       <p:pic>
         <p:nvPicPr>
-          <p:cNvPr id="7" name="Picture 2" descr="http://www.ulstu.ru/main?cmd=file&amp;object=7129"/>
+          <p:cNvPr id="1028" name="Picture 4"/>
           <p:cNvPicPr>
             <a:picLocks noChangeAspect="1" noChangeArrowheads="1"/>
           </p:cNvPicPr>
@@ -4462,13 +4766,19 @@
         </p:blipFill>
         <p:spPr bwMode="auto">
           <a:xfrm>
-            <a:off x="7524328" y="5661248"/>
-            <a:ext cx="1428713" cy="1029941"/>
+            <a:off x="611560" y="2132856"/>
+            <a:ext cx="7735700" cy="4392488"/>
           </a:xfrm>
           <a:prstGeom prst="rect">
             <a:avLst/>
           </a:prstGeom>
           <a:noFill/>
+          <a:ln w="9525">
+            <a:noFill/>
+            <a:miter lim="800000"/>
+            <a:headEnd/>
+            <a:tailEnd/>
+          </a:ln>
         </p:spPr>
       </p:pic>
     </p:spTree>
@@ -4476,6 +4786,13 @@
   <p:clrMapOvr>
     <a:masterClrMapping/>
   </p:clrMapOvr>
+  <p:timing>
+    <p:tnLst>
+      <p:par>
+        <p:cTn id="1" dur="indefinite" restart="never" nodeType="tmRoot"/>
+      </p:par>
+    </p:tnLst>
+  </p:timing>
 </p:sld>
 </file>
 
@@ -4498,7 +4815,58 @@
       </p:grpSpPr>
       <p:sp>
         <p:nvSpPr>
-          <p:cNvPr id="5" name="Прямоугольник 4"/>
+          <p:cNvPr id="2" name="Заголовок 1"/>
+          <p:cNvSpPr>
+            <a:spLocks noGrp="1"/>
+          </p:cNvSpPr>
+          <p:nvPr>
+            <p:ph type="title"/>
+          </p:nvPr>
+        </p:nvSpPr>
+        <p:spPr/>
+        <p:txBody>
+          <a:bodyPr/>
+          <a:lstStyle/>
+          <a:p>
+            <a:endParaRPr lang="ru-RU"/>
+          </a:p>
+        </p:txBody>
+      </p:sp>
+      <p:sp>
+        <p:nvSpPr>
+          <p:cNvPr id="3" name="Содержимое 2"/>
+          <p:cNvSpPr>
+            <a:spLocks noGrp="1"/>
+          </p:cNvSpPr>
+          <p:nvPr>
+            <p:ph idx="1"/>
+          </p:nvPr>
+        </p:nvSpPr>
+        <p:spPr/>
+        <p:txBody>
+          <a:bodyPr/>
+          <a:lstStyle/>
+          <a:p>
+            <a:pPr>
+              <a:buFont typeface="Wingdings" pitchFamily="2" charset="2"/>
+              <a:buChar char="v"/>
+            </a:pPr>
+            <a:r>
+              <a:rPr lang="ru-RU" sz="2000" dirty="0" smtClean="0"/>
+              <a:t>Применение паттернов проектирования</a:t>
+            </a:r>
+          </a:p>
+          <a:p>
+            <a:pPr>
+              <a:buNone/>
+            </a:pPr>
+            <a:endParaRPr lang="ru-RU" dirty="0"/>
+          </a:p>
+        </p:txBody>
+      </p:sp>
+      <p:sp>
+        <p:nvSpPr>
+          <p:cNvPr id="4" name="Прямоугольник 3"/>
           <p:cNvSpPr/>
           <p:nvPr/>
         </p:nvSpPr>
@@ -4541,6 +4909,449 @@
       </p:sp>
       <p:sp>
         <p:nvSpPr>
+          <p:cNvPr id="5" name="Заголовок 1"/>
+          <p:cNvSpPr txBox="1">
+            <a:spLocks/>
+          </p:cNvSpPr>
+          <p:nvPr/>
+        </p:nvSpPr>
+        <p:spPr>
+          <a:xfrm>
+            <a:off x="457200" y="260648"/>
+            <a:ext cx="8229600" cy="864096"/>
+          </a:xfrm>
+          <a:prstGeom prst="rect">
+            <a:avLst/>
+          </a:prstGeom>
+        </p:spPr>
+        <p:txBody>
+          <a:bodyPr vert="horz" lIns="91440" tIns="45720" rIns="91440" bIns="45720" rtlCol="0" anchor="ctr">
+            <a:normAutofit fontScale="92500"/>
+          </a:bodyPr>
+          <a:lstStyle/>
+          <a:p>
+            <a:pPr marL="0" marR="0" lvl="0" indent="0" algn="ctr" defTabSz="914400" rtl="0" eaLnBrk="1" fontAlgn="auto" latinLnBrk="0" hangingPunct="1">
+              <a:lnSpc>
+                <a:spcPct val="100000"/>
+              </a:lnSpc>
+              <a:spcBef>
+                <a:spcPct val="0"/>
+              </a:spcBef>
+              <a:spcAft>
+                <a:spcPts val="0"/>
+              </a:spcAft>
+              <a:buClrTx/>
+              <a:buSzTx/>
+              <a:buFontTx/>
+              <a:buNone/>
+              <a:tabLst/>
+              <a:defRPr/>
+            </a:pPr>
+            <a:r>
+              <a:rPr kumimoji="0" lang="ru-RU" sz="3600" b="0" i="0" u="none" strike="noStrike" kern="1200" cap="none" spc="0" normalizeH="0" baseline="0" noProof="0" dirty="0" smtClean="0">
+                <a:ln>
+                  <a:noFill/>
+                </a:ln>
+                <a:solidFill>
+                  <a:schemeClr val="bg1">
+                    <a:lumMod val="95000"/>
+                  </a:schemeClr>
+                </a:solidFill>
+                <a:effectLst/>
+                <a:uLnTx/>
+                <a:uFillTx/>
+                <a:latin typeface="+mj-lt"/>
+                <a:ea typeface="+mj-ea"/>
+                <a:cs typeface="+mj-cs"/>
+              </a:rPr>
+              <a:t>6. Особенности разработки подсистемы (2)</a:t>
+            </a:r>
+            <a:endParaRPr kumimoji="0" lang="ru-RU" sz="3600" b="0" i="0" u="none" strike="noStrike" kern="1200" cap="none" spc="0" normalizeH="0" baseline="0" noProof="0" dirty="0">
+              <a:ln>
+                <a:noFill/>
+              </a:ln>
+              <a:solidFill>
+                <a:schemeClr val="bg1">
+                  <a:lumMod val="95000"/>
+                </a:schemeClr>
+              </a:solidFill>
+              <a:effectLst/>
+              <a:uLnTx/>
+              <a:uFillTx/>
+              <a:latin typeface="+mj-lt"/>
+              <a:ea typeface="+mj-ea"/>
+              <a:cs typeface="+mj-cs"/>
+            </a:endParaRPr>
+          </a:p>
+        </p:txBody>
+      </p:sp>
+      <p:pic>
+        <p:nvPicPr>
+          <p:cNvPr id="2050" name="Picture 2"/>
+          <p:cNvPicPr>
+            <a:picLocks noChangeAspect="1" noChangeArrowheads="1"/>
+          </p:cNvPicPr>
+          <p:nvPr/>
+        </p:nvPicPr>
+        <p:blipFill>
+          <a:blip r:embed="rId2" cstate="print"/>
+          <a:srcRect/>
+          <a:stretch>
+            <a:fillRect/>
+          </a:stretch>
+        </p:blipFill>
+        <p:spPr bwMode="auto">
+          <a:xfrm>
+            <a:off x="4427984" y="2060848"/>
+            <a:ext cx="4320480" cy="4464676"/>
+          </a:xfrm>
+          <a:prstGeom prst="rect">
+            <a:avLst/>
+          </a:prstGeom>
+          <a:noFill/>
+          <a:ln w="9525">
+            <a:noFill/>
+            <a:miter lim="800000"/>
+            <a:headEnd/>
+            <a:tailEnd/>
+          </a:ln>
+        </p:spPr>
+      </p:pic>
+      <p:pic>
+        <p:nvPicPr>
+          <p:cNvPr id="2051" name="Picture 3"/>
+          <p:cNvPicPr>
+            <a:picLocks noChangeAspect="1" noChangeArrowheads="1"/>
+          </p:cNvPicPr>
+          <p:nvPr/>
+        </p:nvPicPr>
+        <p:blipFill>
+          <a:blip r:embed="rId3" cstate="print"/>
+          <a:srcRect/>
+          <a:stretch>
+            <a:fillRect/>
+          </a:stretch>
+        </p:blipFill>
+        <p:spPr bwMode="auto">
+          <a:xfrm>
+            <a:off x="899592" y="2060848"/>
+            <a:ext cx="2516835" cy="4291126"/>
+          </a:xfrm>
+          <a:prstGeom prst="rect">
+            <a:avLst/>
+          </a:prstGeom>
+          <a:noFill/>
+          <a:ln w="9525">
+            <a:noFill/>
+            <a:miter lim="800000"/>
+            <a:headEnd/>
+            <a:tailEnd/>
+          </a:ln>
+        </p:spPr>
+      </p:pic>
+    </p:spTree>
+  </p:cSld>
+  <p:clrMapOvr>
+    <a:masterClrMapping/>
+  </p:clrMapOvr>
+</p:sld>
+</file>
+
+<file path=ppt/slides/slide8.xml><?xml version="1.0" encoding="utf-8"?>
+<p:sld xmlns:a="http://schemas.openxmlformats.org/drawingml/2006/main" xmlns:r="http://schemas.openxmlformats.org/officeDocument/2006/relationships" xmlns:p="http://schemas.openxmlformats.org/presentationml/2006/main">
+  <p:cSld>
+    <p:spTree>
+      <p:nvGrpSpPr>
+        <p:cNvPr id="1" name=""/>
+        <p:cNvGrpSpPr/>
+        <p:nvPr/>
+      </p:nvGrpSpPr>
+      <p:grpSpPr>
+        <a:xfrm>
+          <a:off x="0" y="0"/>
+          <a:ext cx="0" cy="0"/>
+          <a:chOff x="0" y="0"/>
+          <a:chExt cx="0" cy="0"/>
+        </a:xfrm>
+      </p:grpSpPr>
+      <p:sp>
+        <p:nvSpPr>
+          <p:cNvPr id="2" name="Заголовок 1"/>
+          <p:cNvSpPr>
+            <a:spLocks noGrp="1"/>
+          </p:cNvSpPr>
+          <p:nvPr>
+            <p:ph type="title"/>
+          </p:nvPr>
+        </p:nvSpPr>
+        <p:spPr/>
+        <p:txBody>
+          <a:bodyPr/>
+          <a:lstStyle/>
+          <a:p>
+            <a:endParaRPr lang="ru-RU"/>
+          </a:p>
+        </p:txBody>
+      </p:sp>
+      <p:sp>
+        <p:nvSpPr>
+          <p:cNvPr id="3" name="Содержимое 2"/>
+          <p:cNvSpPr>
+            <a:spLocks noGrp="1"/>
+          </p:cNvSpPr>
+          <p:nvPr>
+            <p:ph idx="1"/>
+          </p:nvPr>
+        </p:nvSpPr>
+        <p:spPr/>
+        <p:txBody>
+          <a:bodyPr/>
+          <a:lstStyle/>
+          <a:p>
+            <a:pPr>
+              <a:buFont typeface="Wingdings" pitchFamily="2" charset="2"/>
+              <a:buChar char="v"/>
+            </a:pPr>
+            <a:r>
+              <a:rPr lang="ru-RU" dirty="0" smtClean="0"/>
+              <a:t>Быстрота выборки данных</a:t>
+            </a:r>
+          </a:p>
+          <a:p>
+            <a:pPr>
+              <a:buFont typeface="Wingdings" pitchFamily="2" charset="2"/>
+              <a:buChar char="v"/>
+            </a:pPr>
+            <a:r>
+              <a:rPr lang="ru-RU" dirty="0" smtClean="0"/>
+              <a:t> Возможность работы с несколькими источниками данных</a:t>
+            </a:r>
+          </a:p>
+          <a:p>
+            <a:pPr>
+              <a:buFont typeface="Wingdings" pitchFamily="2" charset="2"/>
+              <a:buChar char="v"/>
+            </a:pPr>
+            <a:r>
+              <a:rPr lang="ru-RU" dirty="0" smtClean="0"/>
+              <a:t> «Доступное» тестирование</a:t>
+            </a:r>
+          </a:p>
+          <a:p>
+            <a:endParaRPr lang="ru-RU" dirty="0"/>
+          </a:p>
+        </p:txBody>
+      </p:sp>
+      <p:sp>
+        <p:nvSpPr>
+          <p:cNvPr id="4" name="Прямоугольник 3"/>
+          <p:cNvSpPr/>
+          <p:nvPr/>
+        </p:nvSpPr>
+        <p:spPr>
+          <a:xfrm>
+            <a:off x="0" y="0"/>
+            <a:ext cx="9144000" cy="1440160"/>
+          </a:xfrm>
+          <a:prstGeom prst="rect">
+            <a:avLst/>
+          </a:prstGeom>
+          <a:ln>
+            <a:noFill/>
+          </a:ln>
+        </p:spPr>
+        <p:style>
+          <a:lnRef idx="2">
+            <a:schemeClr val="accent1">
+              <a:shade val="50000"/>
+            </a:schemeClr>
+          </a:lnRef>
+          <a:fillRef idx="1">
+            <a:schemeClr val="accent1"/>
+          </a:fillRef>
+          <a:effectRef idx="0">
+            <a:schemeClr val="accent1"/>
+          </a:effectRef>
+          <a:fontRef idx="minor">
+            <a:schemeClr val="lt1"/>
+          </a:fontRef>
+        </p:style>
+        <p:txBody>
+          <a:bodyPr rtlCol="0" anchor="ctr"/>
+          <a:lstStyle/>
+          <a:p>
+            <a:pPr algn="ctr"/>
+            <a:endParaRPr lang="ru-RU"/>
+          </a:p>
+        </p:txBody>
+      </p:sp>
+      <p:sp>
+        <p:nvSpPr>
+          <p:cNvPr id="5" name="Заголовок 1"/>
+          <p:cNvSpPr txBox="1">
+            <a:spLocks/>
+          </p:cNvSpPr>
+          <p:nvPr/>
+        </p:nvSpPr>
+        <p:spPr>
+          <a:xfrm>
+            <a:off x="457200" y="260648"/>
+            <a:ext cx="8229600" cy="864096"/>
+          </a:xfrm>
+          <a:prstGeom prst="rect">
+            <a:avLst/>
+          </a:prstGeom>
+        </p:spPr>
+        <p:txBody>
+          <a:bodyPr vert="horz" lIns="91440" tIns="45720" rIns="91440" bIns="45720" rtlCol="0" anchor="ctr">
+            <a:normAutofit fontScale="90000"/>
+          </a:bodyPr>
+          <a:lstStyle/>
+          <a:p>
+            <a:pPr marL="0" marR="0" lvl="0" indent="0" algn="ctr" defTabSz="914400" rtl="0" eaLnBrk="1" fontAlgn="auto" latinLnBrk="0" hangingPunct="1">
+              <a:lnSpc>
+                <a:spcPct val="100000"/>
+              </a:lnSpc>
+              <a:spcBef>
+                <a:spcPct val="0"/>
+              </a:spcBef>
+              <a:spcAft>
+                <a:spcPts val="0"/>
+              </a:spcAft>
+              <a:buClrTx/>
+              <a:buSzTx/>
+              <a:buFontTx/>
+              <a:buNone/>
+              <a:tabLst/>
+              <a:defRPr/>
+            </a:pPr>
+            <a:r>
+              <a:rPr kumimoji="0" lang="ru-RU" sz="3600" b="0" i="0" u="none" strike="noStrike" kern="1200" cap="none" spc="0" normalizeH="0" baseline="0" noProof="0" dirty="0" smtClean="0">
+                <a:ln>
+                  <a:noFill/>
+                </a:ln>
+                <a:solidFill>
+                  <a:schemeClr val="bg1">
+                    <a:lumMod val="95000"/>
+                  </a:schemeClr>
+                </a:solidFill>
+                <a:effectLst/>
+                <a:uLnTx/>
+                <a:uFillTx/>
+                <a:latin typeface="+mj-lt"/>
+                <a:ea typeface="+mj-ea"/>
+                <a:cs typeface="+mj-cs"/>
+              </a:rPr>
+              <a:t>7. </a:t>
+            </a:r>
+            <a:r>
+              <a:rPr kumimoji="0" lang="ru-RU" sz="3600" b="0" i="0" u="none" strike="noStrike" kern="1200" cap="none" spc="0" normalizeH="0" baseline="0" noProof="0" dirty="0" smtClean="0">
+                <a:ln>
+                  <a:noFill/>
+                </a:ln>
+                <a:solidFill>
+                  <a:schemeClr val="bg1">
+                    <a:lumMod val="95000"/>
+                  </a:schemeClr>
+                </a:solidFill>
+                <a:effectLst/>
+                <a:uLnTx/>
+                <a:uFillTx/>
+                <a:latin typeface="+mj-lt"/>
+                <a:ea typeface="+mj-ea"/>
+                <a:cs typeface="+mj-cs"/>
+              </a:rPr>
+              <a:t>Особенности разработки подсистемы (3)</a:t>
+            </a:r>
+            <a:endParaRPr kumimoji="0" lang="ru-RU" sz="3600" b="0" i="0" u="none" strike="noStrike" kern="1200" cap="none" spc="0" normalizeH="0" baseline="0" noProof="0" dirty="0">
+              <a:ln>
+                <a:noFill/>
+              </a:ln>
+              <a:solidFill>
+                <a:schemeClr val="bg1">
+                  <a:lumMod val="95000"/>
+                </a:schemeClr>
+              </a:solidFill>
+              <a:effectLst/>
+              <a:uLnTx/>
+              <a:uFillTx/>
+              <a:latin typeface="+mj-lt"/>
+              <a:ea typeface="+mj-ea"/>
+              <a:cs typeface="+mj-cs"/>
+            </a:endParaRPr>
+          </a:p>
+        </p:txBody>
+      </p:sp>
+    </p:spTree>
+  </p:cSld>
+  <p:clrMapOvr>
+    <a:masterClrMapping/>
+  </p:clrMapOvr>
+</p:sld>
+</file>
+
+<file path=ppt/slides/slide9.xml><?xml version="1.0" encoding="utf-8"?>
+<p:sld xmlns:a="http://schemas.openxmlformats.org/drawingml/2006/main" xmlns:r="http://schemas.openxmlformats.org/officeDocument/2006/relationships" xmlns:p="http://schemas.openxmlformats.org/presentationml/2006/main">
+  <p:cSld>
+    <p:spTree>
+      <p:nvGrpSpPr>
+        <p:cNvPr id="1" name=""/>
+        <p:cNvGrpSpPr/>
+        <p:nvPr/>
+      </p:nvGrpSpPr>
+      <p:grpSpPr>
+        <a:xfrm>
+          <a:off x="0" y="0"/>
+          <a:ext cx="0" cy="0"/>
+          <a:chOff x="0" y="0"/>
+          <a:chExt cx="0" cy="0"/>
+        </a:xfrm>
+      </p:grpSpPr>
+      <p:sp>
+        <p:nvSpPr>
+          <p:cNvPr id="5" name="Прямоугольник 4"/>
+          <p:cNvSpPr/>
+          <p:nvPr/>
+        </p:nvSpPr>
+        <p:spPr>
+          <a:xfrm>
+            <a:off x="0" y="0"/>
+            <a:ext cx="9144000" cy="1440160"/>
+          </a:xfrm>
+          <a:prstGeom prst="rect">
+            <a:avLst/>
+          </a:prstGeom>
+          <a:ln>
+            <a:noFill/>
+          </a:ln>
+        </p:spPr>
+        <p:style>
+          <a:lnRef idx="2">
+            <a:schemeClr val="accent1">
+              <a:shade val="50000"/>
+            </a:schemeClr>
+          </a:lnRef>
+          <a:fillRef idx="1">
+            <a:schemeClr val="accent1"/>
+          </a:fillRef>
+          <a:effectRef idx="0">
+            <a:schemeClr val="accent1"/>
+          </a:effectRef>
+          <a:fontRef idx="minor">
+            <a:schemeClr val="lt1"/>
+          </a:fontRef>
+        </p:style>
+        <p:txBody>
+          <a:bodyPr rtlCol="0" anchor="ctr"/>
+          <a:lstStyle/>
+          <a:p>
+            <a:pPr algn="ctr"/>
+            <a:endParaRPr lang="ru-RU"/>
+          </a:p>
+        </p:txBody>
+      </p:sp>
+      <p:sp>
+        <p:nvSpPr>
           <p:cNvPr id="6" name="Заголовок 1"/>
           <p:cNvSpPr>
             <a:spLocks noGrp="1"/>
@@ -4561,6 +5372,16 @@
           </a:bodyPr>
           <a:lstStyle/>
           <a:p>
+            <a:r>
+              <a:rPr lang="ru-RU" dirty="0" smtClean="0">
+                <a:solidFill>
+                  <a:schemeClr val="bg1">
+                    <a:lumMod val="95000"/>
+                  </a:schemeClr>
+                </a:solidFill>
+              </a:rPr>
+              <a:t>8. </a:t>
+            </a:r>
             <a:r>
               <a:rPr lang="ru-RU" dirty="0" smtClean="0">
                 <a:solidFill>
@@ -4781,355 +5602,13 @@
   <p:clrMapOvr>
     <a:masterClrMapping/>
   </p:clrMapOvr>
-</p:sld>
-</file>
-
-<file path=ppt/slides/slide8.xml><?xml version="1.0" encoding="utf-8"?>
-<p:sld xmlns:a="http://schemas.openxmlformats.org/drawingml/2006/main" xmlns:r="http://schemas.openxmlformats.org/officeDocument/2006/relationships" xmlns:p="http://schemas.openxmlformats.org/presentationml/2006/main">
-  <p:cSld>
-    <p:spTree>
-      <p:nvGrpSpPr>
-        <p:cNvPr id="1" name=""/>
-        <p:cNvGrpSpPr/>
-        <p:nvPr/>
-      </p:nvGrpSpPr>
-      <p:grpSpPr>
-        <a:xfrm>
-          <a:off x="0" y="0"/>
-          <a:ext cx="0" cy="0"/>
-          <a:chOff x="0" y="0"/>
-          <a:chExt cx="0" cy="0"/>
-        </a:xfrm>
-      </p:grpSpPr>
-      <p:sp>
-        <p:nvSpPr>
-          <p:cNvPr id="3" name="Содержимое 2"/>
-          <p:cNvSpPr>
-            <a:spLocks noGrp="1"/>
-          </p:cNvSpPr>
-          <p:nvPr>
-            <p:ph idx="1"/>
-          </p:nvPr>
-        </p:nvSpPr>
-        <p:spPr/>
-        <p:txBody>
-          <a:bodyPr/>
-          <a:lstStyle/>
-          <a:p>
-            <a:pPr>
-              <a:buNone/>
-            </a:pPr>
-            <a:r>
-              <a:rPr lang="ru-RU" sz="2400" dirty="0" smtClean="0"/>
-              <a:t>С точки зрения пользователей УК:</a:t>
-            </a:r>
-            <a:r>
-              <a:rPr lang="ru-RU" sz="2400" dirty="0" smtClean="0"/>
-              <a:t> </a:t>
-            </a:r>
-          </a:p>
-          <a:p>
-            <a:pPr>
-              <a:buFont typeface="Wingdings" pitchFamily="2" charset="2"/>
-              <a:buChar char="v"/>
-            </a:pPr>
-            <a:r>
-              <a:rPr lang="ru-RU" sz="2400" dirty="0" smtClean="0"/>
-              <a:t>Скорость </a:t>
-            </a:r>
-            <a:r>
-              <a:rPr lang="ru-RU" sz="2400" dirty="0" smtClean="0"/>
-              <a:t>раскрытия информации по процессам домоуправления</a:t>
-            </a:r>
-          </a:p>
-          <a:p>
-            <a:pPr>
-              <a:buFont typeface="Wingdings" pitchFamily="2" charset="2"/>
-              <a:buChar char="v"/>
-            </a:pPr>
-            <a:r>
-              <a:rPr lang="ru-RU" sz="2400" dirty="0" smtClean="0"/>
-              <a:t> Частота обновления данных</a:t>
-            </a:r>
-          </a:p>
-          <a:p>
-            <a:pPr>
-              <a:buFont typeface="Wingdings" pitchFamily="2" charset="2"/>
-              <a:buChar char="v"/>
-            </a:pPr>
-            <a:r>
-              <a:rPr lang="ru-RU" sz="2400" dirty="0"/>
-              <a:t> </a:t>
-            </a:r>
-            <a:r>
-              <a:rPr lang="ru-RU" sz="2400" dirty="0" smtClean="0"/>
-              <a:t>Актуальность </a:t>
-            </a:r>
-            <a:r>
-              <a:rPr lang="ru-RU" sz="2400" dirty="0" smtClean="0"/>
-              <a:t>данных</a:t>
-            </a:r>
-          </a:p>
-          <a:p>
-            <a:pPr>
-              <a:buFont typeface="Wingdings" pitchFamily="2" charset="2"/>
-              <a:buChar char="v"/>
-            </a:pPr>
-            <a:r>
-              <a:rPr lang="ru-RU" sz="2400" dirty="0" smtClean="0"/>
-              <a:t> </a:t>
-            </a:r>
-            <a:r>
-              <a:rPr lang="ru-RU" sz="2400" dirty="0" smtClean="0"/>
-              <a:t>Простой пользовательский интерфейс</a:t>
-            </a:r>
-          </a:p>
-          <a:p>
-            <a:pPr>
-              <a:buNone/>
-            </a:pPr>
-            <a:r>
-              <a:rPr lang="ru-RU" sz="2400" dirty="0" smtClean="0"/>
-              <a:t>С точки зрения архитектуры приложения:</a:t>
-            </a:r>
-            <a:endParaRPr lang="ru-RU" sz="2400" dirty="0" smtClean="0"/>
-          </a:p>
-          <a:p>
-            <a:pPr>
-              <a:buFont typeface="Wingdings" pitchFamily="2" charset="2"/>
-              <a:buChar char="v"/>
-            </a:pPr>
-            <a:r>
-              <a:rPr lang="ru-RU" sz="2400" dirty="0"/>
-              <a:t> </a:t>
-            </a:r>
-            <a:r>
-              <a:rPr lang="ru-RU" sz="2400" dirty="0" smtClean="0"/>
-              <a:t>Автономность </a:t>
-            </a:r>
-            <a:r>
-              <a:rPr lang="ru-RU" sz="2400" dirty="0" smtClean="0"/>
-              <a:t>решения</a:t>
-            </a:r>
-          </a:p>
-          <a:p>
-            <a:pPr>
-              <a:buFont typeface="Wingdings" pitchFamily="2" charset="2"/>
-              <a:buChar char="v"/>
-            </a:pPr>
-            <a:r>
-              <a:rPr lang="en-US" sz="2400" dirty="0" smtClean="0"/>
-              <a:t>Reusable-</a:t>
-            </a:r>
-            <a:r>
-              <a:rPr lang="ru-RU" sz="2400" dirty="0" smtClean="0"/>
-              <a:t>компоненты</a:t>
-            </a:r>
-            <a:endParaRPr lang="ru-RU" sz="2400" dirty="0" smtClean="0"/>
-          </a:p>
-          <a:p>
-            <a:pPr>
-              <a:buNone/>
-            </a:pPr>
-            <a:endParaRPr lang="ru-RU" dirty="0"/>
-          </a:p>
-        </p:txBody>
-      </p:sp>
-      <p:sp>
-        <p:nvSpPr>
-          <p:cNvPr id="4" name="Прямоугольник 3"/>
-          <p:cNvSpPr/>
-          <p:nvPr/>
-        </p:nvSpPr>
-        <p:spPr>
-          <a:xfrm>
-            <a:off x="0" y="0"/>
-            <a:ext cx="9144000" cy="1440160"/>
-          </a:xfrm>
-          <a:prstGeom prst="rect">
-            <a:avLst/>
-          </a:prstGeom>
-          <a:ln>
-            <a:noFill/>
-          </a:ln>
-        </p:spPr>
-        <p:style>
-          <a:lnRef idx="2">
-            <a:schemeClr val="accent1">
-              <a:shade val="50000"/>
-            </a:schemeClr>
-          </a:lnRef>
-          <a:fillRef idx="1">
-            <a:schemeClr val="accent1"/>
-          </a:fillRef>
-          <a:effectRef idx="0">
-            <a:schemeClr val="accent1"/>
-          </a:effectRef>
-          <a:fontRef idx="minor">
-            <a:schemeClr val="lt1"/>
-          </a:fontRef>
-        </p:style>
-        <p:txBody>
-          <a:bodyPr rtlCol="0" anchor="ctr"/>
-          <a:lstStyle/>
-          <a:p>
-            <a:pPr algn="ctr"/>
-            <a:endParaRPr lang="ru-RU"/>
-          </a:p>
-        </p:txBody>
-      </p:sp>
-      <p:sp>
-        <p:nvSpPr>
-          <p:cNvPr id="5" name="Заголовок 1"/>
-          <p:cNvSpPr>
-            <a:spLocks noGrp="1"/>
-          </p:cNvSpPr>
-          <p:nvPr>
-            <p:ph type="title"/>
-          </p:nvPr>
-        </p:nvSpPr>
-        <p:spPr>
-          <a:xfrm>
-            <a:off x="457200" y="260648"/>
-            <a:ext cx="8229600" cy="864096"/>
-          </a:xfrm>
-        </p:spPr>
-        <p:txBody>
-          <a:bodyPr>
-            <a:normAutofit/>
-          </a:bodyPr>
-          <a:lstStyle/>
-          <a:p>
-            <a:r>
-              <a:rPr lang="ru-RU" dirty="0" smtClean="0">
-                <a:solidFill>
-                  <a:schemeClr val="bg1">
-                    <a:lumMod val="95000"/>
-                  </a:schemeClr>
-                </a:solidFill>
-              </a:rPr>
-              <a:t>Оценка эффективности решения</a:t>
-            </a:r>
-            <a:endParaRPr lang="ru-RU" dirty="0">
-              <a:solidFill>
-                <a:schemeClr val="bg1">
-                  <a:lumMod val="95000"/>
-                </a:schemeClr>
-              </a:solidFill>
-            </a:endParaRPr>
-          </a:p>
-        </p:txBody>
-      </p:sp>
-      <p:pic>
-        <p:nvPicPr>
-          <p:cNvPr id="6" name="Picture 2" descr="http://www.ulstu.ru/main?cmd=file&amp;object=7129"/>
-          <p:cNvPicPr>
-            <a:picLocks noChangeAspect="1" noChangeArrowheads="1"/>
-          </p:cNvPicPr>
-          <p:nvPr/>
-        </p:nvPicPr>
-        <p:blipFill>
-          <a:blip r:embed="rId2" cstate="print"/>
-          <a:srcRect/>
-          <a:stretch>
-            <a:fillRect/>
-          </a:stretch>
-        </p:blipFill>
-        <p:spPr bwMode="auto">
-          <a:xfrm>
-            <a:off x="7524328" y="5661248"/>
-            <a:ext cx="1428713" cy="1029941"/>
-          </a:xfrm>
-          <a:prstGeom prst="rect">
-            <a:avLst/>
-          </a:prstGeom>
-          <a:noFill/>
-        </p:spPr>
-      </p:pic>
-    </p:spTree>
-  </p:cSld>
-  <p:clrMapOvr>
-    <a:masterClrMapping/>
-  </p:clrMapOvr>
-</p:sld>
-</file>
-
-<file path=ppt/slides/slide9.xml><?xml version="1.0" encoding="utf-8"?>
-<p:sld xmlns:a="http://schemas.openxmlformats.org/drawingml/2006/main" xmlns:r="http://schemas.openxmlformats.org/officeDocument/2006/relationships" xmlns:p="http://schemas.openxmlformats.org/presentationml/2006/main">
-  <p:cSld>
-    <p:spTree>
-      <p:nvGrpSpPr>
-        <p:cNvPr id="1" name=""/>
-        <p:cNvGrpSpPr/>
-        <p:nvPr/>
-      </p:nvGrpSpPr>
-      <p:grpSpPr>
-        <a:xfrm>
-          <a:off x="0" y="0"/>
-          <a:ext cx="0" cy="0"/>
-          <a:chOff x="0" y="0"/>
-          <a:chExt cx="0" cy="0"/>
-        </a:xfrm>
-      </p:grpSpPr>
-      <p:sp>
-        <p:nvSpPr>
-          <p:cNvPr id="2" name="Заголовок 1"/>
-          <p:cNvSpPr>
-            <a:spLocks noGrp="1"/>
-          </p:cNvSpPr>
-          <p:nvPr>
-            <p:ph type="title"/>
-          </p:nvPr>
-        </p:nvSpPr>
-        <p:spPr>
-          <a:xfrm>
-            <a:off x="467544" y="2852936"/>
-            <a:ext cx="8229600" cy="1143000"/>
-          </a:xfrm>
-        </p:spPr>
-        <p:txBody>
-          <a:bodyPr/>
-          <a:lstStyle/>
-          <a:p>
-            <a:r>
-              <a:rPr lang="ru-RU" dirty="0" smtClean="0"/>
-              <a:t>Спасибо за внимание!</a:t>
-            </a:r>
-            <a:endParaRPr lang="ru-RU" dirty="0"/>
-          </a:p>
-        </p:txBody>
-      </p:sp>
-      <p:pic>
-        <p:nvPicPr>
-          <p:cNvPr id="5" name="Picture 2" descr="http://www.ulstu.ru/main?cmd=file&amp;object=7129"/>
-          <p:cNvPicPr>
-            <a:picLocks noChangeAspect="1" noChangeArrowheads="1"/>
-          </p:cNvPicPr>
-          <p:nvPr/>
-        </p:nvPicPr>
-        <p:blipFill>
-          <a:blip r:embed="rId2" cstate="print"/>
-          <a:srcRect/>
-          <a:stretch>
-            <a:fillRect/>
-          </a:stretch>
-        </p:blipFill>
-        <p:spPr bwMode="auto">
-          <a:xfrm>
-            <a:off x="6372200" y="94803"/>
-            <a:ext cx="2627369" cy="1894037"/>
-          </a:xfrm>
-          <a:prstGeom prst="rect">
-            <a:avLst/>
-          </a:prstGeom>
-          <a:noFill/>
-        </p:spPr>
-      </p:pic>
-    </p:spTree>
-  </p:cSld>
-  <p:clrMapOvr>
-    <a:masterClrMapping/>
-  </p:clrMapOvr>
+  <p:timing>
+    <p:tnLst>
+      <p:par>
+        <p:cTn id="1" dur="indefinite" restart="never" nodeType="tmRoot"/>
+      </p:par>
+    </p:tnLst>
+  </p:timing>
 </p:sld>
 </file>
 
